--- a/aspnet5/slides/06_Security.pptx
+++ b/aspnet5/slides/06_Security.pptx
@@ -5,10 +5,10 @@
     <p:sldMasterId id="2147483772" r:id="rId1"/>
   </p:sldMasterIdLst>
   <p:notesMasterIdLst>
-    <p:notesMasterId r:id="rId10"/>
+    <p:notesMasterId r:id="rId11"/>
   </p:notesMasterIdLst>
   <p:handoutMasterIdLst>
-    <p:handoutMasterId r:id="rId11"/>
+    <p:handoutMasterId r:id="rId12"/>
   </p:handoutMasterIdLst>
   <p:sldIdLst>
     <p:sldId id="327" r:id="rId2"/>
@@ -18,7 +18,8 @@
     <p:sldId id="330" r:id="rId6"/>
     <p:sldId id="331" r:id="rId7"/>
     <p:sldId id="333" r:id="rId8"/>
-    <p:sldId id="334" r:id="rId9"/>
+    <p:sldId id="335" r:id="rId9"/>
+    <p:sldId id="334" r:id="rId10"/>
   </p:sldIdLst>
   <p:sldSz cx="9144000" cy="6858000" type="screen4x3"/>
   <p:notesSz cx="7302500" cy="9588500"/>
@@ -159,6 +160,7 @@
             <p14:sldId id="330"/>
             <p14:sldId id="331"/>
             <p14:sldId id="333"/>
+            <p14:sldId id="335"/>
             <p14:sldId id="334"/>
           </p14:sldIdLst>
         </p14:section>
@@ -3129,13 +3131,8 @@
             <a:pPr marL="0" indent="0" defTabSz="914400" eaLnBrk="1" hangingPunct="1"/>
             <a:r>
               <a:rPr lang="en-US" dirty="0" smtClean="0"/>
-              <a:t>ASP.NET </a:t>
-            </a:r>
-            <a:r>
-              <a:rPr lang="en-US" dirty="0" smtClean="0"/>
-              <a:t>5 Security</a:t>
-            </a:r>
-            <a:endParaRPr lang="en-US" dirty="0" smtClean="0"/>
+              <a:t>ASP.NET 5 Security</a:t>
+            </a:r>
           </a:p>
         </p:txBody>
       </p:sp>
@@ -3159,7 +3156,6 @@
               <a:rPr lang="en-US" dirty="0" smtClean="0"/>
               <a:t>The Return of Middleware</a:t>
             </a:r>
-            <a:endParaRPr lang="en-US" dirty="0" smtClean="0"/>
           </a:p>
         </p:txBody>
       </p:sp>
@@ -3950,6 +3946,114 @@
 </file>
 
 <file path=ppt/slides/slide8.xml><?xml version="1.0" encoding="utf-8"?>
+<p:sld xmlns:a="http://schemas.openxmlformats.org/drawingml/2006/main" xmlns:r="http://schemas.openxmlformats.org/officeDocument/2006/relationships" xmlns:p="http://schemas.openxmlformats.org/presentationml/2006/main">
+  <p:cSld>
+    <p:spTree>
+      <p:nvGrpSpPr>
+        <p:cNvPr id="1" name=""/>
+        <p:cNvGrpSpPr/>
+        <p:nvPr/>
+      </p:nvGrpSpPr>
+      <p:grpSpPr>
+        <a:xfrm>
+          <a:off x="0" y="0"/>
+          <a:ext cx="0" cy="0"/>
+          <a:chOff x="0" y="0"/>
+          <a:chExt cx="0" cy="0"/>
+        </a:xfrm>
+      </p:grpSpPr>
+      <p:sp>
+        <p:nvSpPr>
+          <p:cNvPr id="2" name="Title 1"/>
+          <p:cNvSpPr>
+            <a:spLocks noGrp="1"/>
+          </p:cNvSpPr>
+          <p:nvPr>
+            <p:ph type="title"/>
+          </p:nvPr>
+        </p:nvSpPr>
+        <p:spPr/>
+        <p:txBody>
+          <a:bodyPr/>
+          <a:lstStyle/>
+          <a:p>
+            <a:r>
+              <a:rPr lang="en-US" dirty="0" smtClean="0"/>
+              <a:t>CORS</a:t>
+            </a:r>
+            <a:endParaRPr lang="en-US" dirty="0"/>
+          </a:p>
+        </p:txBody>
+      </p:sp>
+      <p:sp>
+        <p:nvSpPr>
+          <p:cNvPr id="3" name="Text Placeholder 2"/>
+          <p:cNvSpPr>
+            <a:spLocks noGrp="1"/>
+          </p:cNvSpPr>
+          <p:nvPr>
+            <p:ph type="body" idx="1"/>
+          </p:nvPr>
+        </p:nvSpPr>
+        <p:spPr/>
+        <p:txBody>
+          <a:bodyPr/>
+          <a:lstStyle/>
+          <a:p>
+            <a:r>
+              <a:rPr lang="en-US" dirty="0" smtClean="0"/>
+              <a:t>Support in </a:t>
+            </a:r>
+            <a:r>
+              <a:rPr lang="en-US" dirty="0" err="1" smtClean="0"/>
+              <a:t>Microsoft.AspNet.Cors</a:t>
+            </a:r>
+            <a:endParaRPr lang="en-US" dirty="0" smtClean="0"/>
+          </a:p>
+          <a:p>
+            <a:r>
+              <a:rPr lang="en-US" dirty="0" smtClean="0"/>
+              <a:t>Use CORS middleware for global settings</a:t>
+            </a:r>
+          </a:p>
+          <a:p>
+            <a:r>
+              <a:rPr lang="en-US" dirty="0" smtClean="0"/>
+              <a:t>[</a:t>
+            </a:r>
+            <a:r>
+              <a:rPr lang="en-US" dirty="0" err="1" smtClean="0"/>
+              <a:t>EnableCors</a:t>
+            </a:r>
+            <a:r>
+              <a:rPr lang="en-US" dirty="0" smtClean="0"/>
+              <a:t>] attribute works on controllers </a:t>
+            </a:r>
+            <a:r>
+              <a:rPr lang="en-US" smtClean="0"/>
+              <a:t>and actions</a:t>
+            </a:r>
+            <a:endParaRPr lang="en-US" dirty="0" smtClean="0"/>
+          </a:p>
+        </p:txBody>
+      </p:sp>
+    </p:spTree>
+    <p:extLst>
+      <p:ext uri="{BB962C8B-B14F-4D97-AF65-F5344CB8AC3E}">
+        <p14:creationId xmlns:p14="http://schemas.microsoft.com/office/powerpoint/2010/main" val="3850448011"/>
+      </p:ext>
+    </p:extLst>
+  </p:cSld>
+  <p:clrMapOvr>
+    <a:masterClrMapping/>
+  </p:clrMapOvr>
+  <p:transition>
+    <p:fade/>
+  </p:transition>
+</p:sld>
+</file>
+
+<file path=ppt/slides/slide9.xml><?xml version="1.0" encoding="utf-8"?>
 <p:sld xmlns:a="http://schemas.openxmlformats.org/drawingml/2006/main" xmlns:r="http://schemas.openxmlformats.org/officeDocument/2006/relationships" xmlns:p="http://schemas.openxmlformats.org/presentationml/2006/main">
   <p:cSld>
     <p:spTree>

--- a/aspnet5/slides/06_Security.pptx
+++ b/aspnet5/slides/06_Security.pptx
@@ -289,7 +289,7 @@
               <a:pPr>
                 <a:defRPr/>
               </a:pPr>
-              <a:t>9/12/2015</a:t>
+              <a:t>2/20/2017</a:t>
             </a:fld>
             <a:endParaRPr lang="en-US"/>
           </a:p>
@@ -563,35 +563,35 @@
           <a:p>
             <a:pPr lvl="0"/>
             <a:r>
-              <a:rPr lang="en-US" noProof="0" smtClean="0"/>
+              <a:rPr lang="en-US" noProof="0"/>
               <a:t>Click to edit Master text styles</a:t>
             </a:r>
           </a:p>
           <a:p>
             <a:pPr lvl="1"/>
             <a:r>
-              <a:rPr lang="en-US" noProof="0" smtClean="0"/>
+              <a:rPr lang="en-US" noProof="0"/>
               <a:t>Second level</a:t>
             </a:r>
           </a:p>
           <a:p>
             <a:pPr lvl="2"/>
             <a:r>
-              <a:rPr lang="en-US" noProof="0" smtClean="0"/>
+              <a:rPr lang="en-US" noProof="0"/>
               <a:t>Third level</a:t>
             </a:r>
           </a:p>
           <a:p>
             <a:pPr lvl="3"/>
             <a:r>
-              <a:rPr lang="en-US" noProof="0" smtClean="0"/>
+              <a:rPr lang="en-US" noProof="0"/>
               <a:t>Fourth level</a:t>
             </a:r>
           </a:p>
           <a:p>
             <a:pPr lvl="4"/>
             <a:r>
-              <a:rPr lang="en-US" noProof="0" smtClean="0"/>
+              <a:rPr lang="en-US" noProof="0"/>
               <a:t>Fifth level</a:t>
             </a:r>
           </a:p>
@@ -872,7 +872,7 @@
               <a:pPr/>
               <a:t>1</a:t>
             </a:fld>
-            <a:endParaRPr lang="en-US" smtClean="0"/>
+            <a:endParaRPr lang="en-US"/>
           </a:p>
         </p:txBody>
       </p:sp>
@@ -913,7 +913,7 @@
           <a:lstStyle/>
           <a:p>
             <a:pPr eaLnBrk="1" hangingPunct="1"/>
-            <a:endParaRPr lang="en-US" smtClean="0"/>
+            <a:endParaRPr lang="en-US"/>
           </a:p>
         </p:txBody>
       </p:sp>
@@ -1336,7 +1336,7 @@
           </a:lstStyle>
           <a:p>
             <a:r>
-              <a:rPr lang="en-US" smtClean="0"/>
+              <a:rPr lang="en-US"/>
               <a:t>Click to edit Master title style</a:t>
             </a:r>
             <a:endParaRPr lang="en-US" dirty="0"/>
@@ -1372,7 +1372,7 @@
           </a:lstStyle>
           <a:p>
             <a:r>
-              <a:rPr lang="en-US" smtClean="0"/>
+              <a:rPr lang="en-US"/>
               <a:t>Click to edit Master subtitle style</a:t>
             </a:r>
             <a:endParaRPr lang="en-US" dirty="0"/>
@@ -1469,10 +1469,9 @@
           <a:lstStyle/>
           <a:p>
             <a:r>
-              <a:rPr lang="en-US" smtClean="0"/>
+              <a:rPr lang="en-US"/>
               <a:t>Click to edit Master title style</a:t>
             </a:r>
-            <a:endParaRPr lang="en-US"/>
           </a:p>
         </p:txBody>
       </p:sp>
@@ -1513,7 +1512,7 @@
           <a:p>
             <a:pPr lvl="0"/>
             <a:r>
-              <a:rPr lang="en-US" smtClean="0"/>
+              <a:rPr lang="en-US"/>
               <a:t>Click to edit Master text styles</a:t>
             </a:r>
           </a:p>
@@ -1563,10 +1562,9 @@
           <a:lstStyle/>
           <a:p>
             <a:r>
-              <a:rPr lang="en-US" smtClean="0"/>
+              <a:rPr lang="en-US"/>
               <a:t>Click to edit Master title style</a:t>
             </a:r>
-            <a:endParaRPr lang="en-US"/>
           </a:p>
         </p:txBody>
       </p:sp>
@@ -1622,7 +1620,7 @@
           </a:lstStyle>
           <a:p>
             <a:r>
-              <a:rPr lang="en-US" smtClean="0"/>
+              <a:rPr lang="en-US"/>
               <a:t>Click to edit Master title style</a:t>
             </a:r>
             <a:endParaRPr lang="en-US" dirty="0"/>
@@ -1687,35 +1685,35 @@
           <a:p>
             <a:pPr lvl="0"/>
             <a:r>
-              <a:rPr lang="en-US" smtClean="0"/>
+              <a:rPr lang="en-US"/>
               <a:t>Click to edit Master text styles</a:t>
             </a:r>
           </a:p>
           <a:p>
             <a:pPr lvl="1"/>
             <a:r>
-              <a:rPr lang="en-US" smtClean="0"/>
+              <a:rPr lang="en-US"/>
               <a:t>Second level</a:t>
             </a:r>
           </a:p>
           <a:p>
             <a:pPr lvl="2"/>
             <a:r>
-              <a:rPr lang="en-US" smtClean="0"/>
+              <a:rPr lang="en-US"/>
               <a:t>Third level</a:t>
             </a:r>
           </a:p>
           <a:p>
             <a:pPr lvl="3"/>
             <a:r>
-              <a:rPr lang="en-US" smtClean="0"/>
+              <a:rPr lang="en-US"/>
               <a:t>Fourth level</a:t>
             </a:r>
           </a:p>
           <a:p>
             <a:pPr lvl="4"/>
             <a:r>
-              <a:rPr lang="en-US" smtClean="0"/>
+              <a:rPr lang="en-US"/>
               <a:t>Fifth level</a:t>
             </a:r>
             <a:endParaRPr lang="en-US" dirty="0"/>
@@ -1779,10 +1777,9 @@
           </a:lstStyle>
           <a:p>
             <a:r>
-              <a:rPr lang="en-US" dirty="0" smtClean="0"/>
+              <a:rPr lang="en-US" dirty="0"/>
               <a:t>References</a:t>
             </a:r>
-            <a:endParaRPr lang="en-US" dirty="0"/>
           </a:p>
         </p:txBody>
       </p:sp>
@@ -1844,35 +1841,35 @@
           <a:p>
             <a:pPr lvl="0"/>
             <a:r>
-              <a:rPr lang="en-US" smtClean="0"/>
+              <a:rPr lang="en-US"/>
               <a:t>Click to edit Master text styles</a:t>
             </a:r>
           </a:p>
           <a:p>
             <a:pPr lvl="1"/>
             <a:r>
-              <a:rPr lang="en-US" smtClean="0"/>
+              <a:rPr lang="en-US"/>
               <a:t>Second level</a:t>
             </a:r>
           </a:p>
           <a:p>
             <a:pPr lvl="2"/>
             <a:r>
-              <a:rPr lang="en-US" smtClean="0"/>
+              <a:rPr lang="en-US"/>
               <a:t>Third level</a:t>
             </a:r>
           </a:p>
           <a:p>
             <a:pPr lvl="3"/>
             <a:r>
-              <a:rPr lang="en-US" smtClean="0"/>
+              <a:rPr lang="en-US"/>
               <a:t>Fourth level</a:t>
             </a:r>
           </a:p>
           <a:p>
             <a:pPr lvl="4"/>
             <a:r>
-              <a:rPr lang="en-US" smtClean="0"/>
+              <a:rPr lang="en-US"/>
               <a:t>Fifth level</a:t>
             </a:r>
             <a:endParaRPr lang="en-US" dirty="0"/>
@@ -1928,10 +1925,9 @@
           <a:lstStyle/>
           <a:p>
             <a:r>
-              <a:rPr lang="en-US" smtClean="0"/>
+              <a:rPr lang="en-US"/>
               <a:t>Click to edit Master title style</a:t>
             </a:r>
-            <a:endParaRPr lang="en-US"/>
           </a:p>
         </p:txBody>
       </p:sp>
@@ -1972,7 +1968,7 @@
           <a:p>
             <a:pPr lvl="0"/>
             <a:r>
-              <a:rPr lang="en-US" smtClean="0"/>
+              <a:rPr lang="en-US"/>
               <a:t>Click to edit Master text styles</a:t>
             </a:r>
           </a:p>
@@ -2027,10 +2023,9 @@
           <a:lstStyle/>
           <a:p>
             <a:r>
-              <a:rPr lang="en-US" smtClean="0"/>
+              <a:rPr lang="en-US"/>
               <a:t>Click to edit Master title style</a:t>
             </a:r>
-            <a:endParaRPr lang="en-US"/>
           </a:p>
         </p:txBody>
       </p:sp>
@@ -2083,10 +2078,9 @@
           <a:lstStyle/>
           <a:p>
             <a:r>
-              <a:rPr lang="en-US" smtClean="0"/>
+              <a:rPr lang="en-US"/>
               <a:t>Click to edit Master title style</a:t>
             </a:r>
-            <a:endParaRPr lang="en-US"/>
           </a:p>
         </p:txBody>
       </p:sp>
@@ -2127,7 +2121,7 @@
           <a:p>
             <a:pPr lvl="0"/>
             <a:r>
-              <a:rPr lang="en-US" smtClean="0"/>
+              <a:rPr lang="en-US"/>
               <a:t>Click to edit Master text styles</a:t>
             </a:r>
           </a:p>
@@ -2182,10 +2176,9 @@
           <a:lstStyle/>
           <a:p>
             <a:r>
-              <a:rPr lang="en-US" smtClean="0"/>
+              <a:rPr lang="en-US"/>
               <a:t>Click to edit Master title style</a:t>
             </a:r>
-            <a:endParaRPr lang="en-US"/>
           </a:p>
         </p:txBody>
       </p:sp>
@@ -2238,10 +2231,9 @@
           <a:lstStyle/>
           <a:p>
             <a:r>
-              <a:rPr lang="en-US" smtClean="0"/>
+              <a:rPr lang="en-US"/>
               <a:t>Click to edit Master title style</a:t>
             </a:r>
-            <a:endParaRPr lang="en-US"/>
           </a:p>
         </p:txBody>
       </p:sp>
@@ -2282,7 +2274,7 @@
           <a:p>
             <a:pPr lvl="0"/>
             <a:r>
-              <a:rPr lang="en-US" smtClean="0"/>
+              <a:rPr lang="en-US"/>
               <a:t>Click to edit Master text styles</a:t>
             </a:r>
           </a:p>
@@ -2337,10 +2329,9 @@
           <a:lstStyle/>
           <a:p>
             <a:r>
-              <a:rPr lang="en-US" smtClean="0"/>
+              <a:rPr lang="en-US"/>
               <a:t>Click to edit Master title style</a:t>
             </a:r>
-            <a:endParaRPr lang="en-US"/>
           </a:p>
         </p:txBody>
       </p:sp>
@@ -2421,35 +2412,35 @@
           <a:p>
             <a:pPr lvl="0"/>
             <a:r>
-              <a:rPr lang="en-US" smtClean="0"/>
+              <a:rPr lang="en-US"/>
               <a:t>Click to edit Master text styles</a:t>
             </a:r>
           </a:p>
           <a:p>
             <a:pPr lvl="1"/>
             <a:r>
-              <a:rPr lang="en-US" smtClean="0"/>
+              <a:rPr lang="en-US"/>
               <a:t>Second level</a:t>
             </a:r>
           </a:p>
           <a:p>
             <a:pPr lvl="2"/>
             <a:r>
-              <a:rPr lang="en-US" smtClean="0"/>
+              <a:rPr lang="en-US"/>
               <a:t>Third level</a:t>
             </a:r>
           </a:p>
           <a:p>
             <a:pPr lvl="3"/>
             <a:r>
-              <a:rPr lang="en-US" smtClean="0"/>
+              <a:rPr lang="en-US"/>
               <a:t>Fourth level</a:t>
             </a:r>
           </a:p>
           <a:p>
             <a:pPr lvl="4"/>
             <a:r>
-              <a:rPr lang="en-US" smtClean="0"/>
+              <a:rPr lang="en-US"/>
               <a:t>Fifth level</a:t>
             </a:r>
           </a:p>
@@ -2491,7 +2482,7 @@
           <a:p>
             <a:pPr lvl="0"/>
             <a:r>
-              <a:rPr lang="en-US" smtClean="0"/>
+              <a:rPr lang="en-US"/>
               <a:t>Click to edit Master title style</a:t>
             </a:r>
           </a:p>
@@ -2607,13 +2598,6 @@
   <p:transition>
     <p:fade/>
   </p:transition>
-  <p:timing>
-    <p:tnLst>
-      <p:par>
-        <p:cTn id="1" dur="indefinite" restart="never" nodeType="tmRoot"/>
-      </p:par>
-    </p:tnLst>
-  </p:timing>
   <p:txStyles>
     <p:titleStyle>
       <a:lvl1pPr marL="342900" indent="-342900" algn="ctr" defTabSz="-13873163" rtl="0" eaLnBrk="1" fontAlgn="base" hangingPunct="1">
@@ -3120,7 +3104,7 @@
         </p:nvSpPr>
         <p:spPr>
           <a:xfrm>
-            <a:off x="685800" y="1266825"/>
+            <a:off x="685800" y="1295400"/>
             <a:ext cx="7772400" cy="1933575"/>
           </a:xfrm>
         </p:spPr>
@@ -3130,8 +3114,8 @@
           <a:p>
             <a:pPr marL="0" indent="0" defTabSz="914400" eaLnBrk="1" hangingPunct="1"/>
             <a:r>
-              <a:rPr lang="en-US" dirty="0" smtClean="0"/>
-              <a:t>ASP.NET 5 Security</a:t>
+              <a:rPr lang="en-US" dirty="0"/>
+              <a:t>ASP.NET Core Security</a:t>
             </a:r>
           </a:p>
         </p:txBody>
@@ -3153,7 +3137,7 @@
           <a:p>
             <a:pPr defTabSz="914400" eaLnBrk="1" hangingPunct="1"/>
             <a:r>
-              <a:rPr lang="en-US" dirty="0" smtClean="0"/>
+              <a:rPr lang="en-US" dirty="0"/>
               <a:t>The Return of Middleware</a:t>
             </a:r>
           </a:p>
@@ -3167,13 +3151,6 @@
   <p:transition>
     <p:fade/>
   </p:transition>
-  <p:timing>
-    <p:tnLst>
-      <p:par>
-        <p:cTn id="1" dur="indefinite" restart="never" nodeType="tmRoot"/>
-      </p:par>
-    </p:tnLst>
-  </p:timing>
 </p:sld>
 </file>
 
@@ -3210,10 +3187,9 @@
           <a:lstStyle/>
           <a:p>
             <a:r>
-              <a:rPr lang="en-US" dirty="0" smtClean="0"/>
+              <a:rPr lang="en-US" dirty="0"/>
               <a:t>It’s All About Claims</a:t>
             </a:r>
-            <a:endParaRPr lang="en-US" dirty="0"/>
           </a:p>
         </p:txBody>
       </p:sp>
@@ -3233,44 +3209,44 @@
           <a:lstStyle/>
           <a:p>
             <a:r>
-              <a:rPr lang="en-US" dirty="0" smtClean="0"/>
+              <a:rPr lang="en-US" dirty="0"/>
               <a:t>Identities are based on claims throughout .NET framework</a:t>
             </a:r>
           </a:p>
           <a:p>
             <a:r>
-              <a:rPr lang="en-US" dirty="0" smtClean="0"/>
+              <a:rPr lang="en-US" dirty="0"/>
               <a:t>Claims are simple key-value pairs</a:t>
             </a:r>
           </a:p>
           <a:p>
             <a:pPr lvl="1"/>
             <a:r>
-              <a:rPr lang="en-US" dirty="0" smtClean="0"/>
+              <a:rPr lang="en-US" dirty="0"/>
               <a:t>Scott is an admin</a:t>
             </a:r>
           </a:p>
           <a:p>
             <a:pPr lvl="1"/>
             <a:r>
-              <a:rPr lang="en-US" dirty="0" smtClean="0"/>
+              <a:rPr lang="en-US" dirty="0"/>
               <a:t>Scott’s email is </a:t>
             </a:r>
             <a:r>
-              <a:rPr lang="en-US" dirty="0" smtClean="0">
+              <a:rPr lang="en-US" dirty="0">
                 <a:hlinkClick r:id="rId2"/>
               </a:rPr>
               <a:t>scott@OdeToCode.com</a:t>
             </a:r>
-            <a:endParaRPr lang="en-US" dirty="0" smtClean="0"/>
-          </a:p>
-          <a:p>
-            <a:r>
-              <a:rPr lang="en-US" dirty="0" err="1" smtClean="0"/>
+            <a:endParaRPr lang="en-US" dirty="0"/>
+          </a:p>
+          <a:p>
+            <a:r>
+              <a:rPr lang="en-US" dirty="0" err="1"/>
               <a:t>ClaimsIdentity</a:t>
             </a:r>
             <a:r>
-              <a:rPr lang="en-US" dirty="0" smtClean="0"/>
+              <a:rPr lang="en-US" dirty="0"/>
               <a:t> is a collection of claims</a:t>
             </a:r>
           </a:p>
@@ -3278,7 +3254,7 @@
             <a:pPr marL="914400" lvl="2" indent="0">
               <a:buNone/>
             </a:pPr>
-            <a:endParaRPr lang="en-US" dirty="0" smtClean="0"/>
+            <a:endParaRPr lang="en-US" dirty="0"/>
           </a:p>
           <a:p>
             <a:endParaRPr lang="en-US" dirty="0"/>
@@ -3334,7 +3310,7 @@
           <a:lstStyle/>
           <a:p>
             <a:r>
-              <a:rPr lang="en-US" dirty="0" err="1" smtClean="0"/>
+              <a:rPr lang="en-US" dirty="0" err="1"/>
               <a:t>ClaimsPrincipal</a:t>
             </a:r>
             <a:endParaRPr lang="en-US" dirty="0"/>
@@ -3357,21 +3333,20 @@
           <a:lstStyle/>
           <a:p>
             <a:r>
-              <a:rPr lang="en-US" dirty="0" smtClean="0"/>
+              <a:rPr lang="en-US" dirty="0"/>
               <a:t>A collection of </a:t>
             </a:r>
             <a:r>
-              <a:rPr lang="en-US" dirty="0" err="1" smtClean="0"/>
+              <a:rPr lang="en-US" dirty="0" err="1"/>
               <a:t>ClaimsIdentity</a:t>
             </a:r>
-            <a:endParaRPr lang="en-US" dirty="0" smtClean="0"/>
-          </a:p>
-          <a:p>
-            <a:r>
-              <a:rPr lang="en-US" dirty="0" smtClean="0"/>
+            <a:endParaRPr lang="en-US" dirty="0"/>
+          </a:p>
+          <a:p>
+            <a:r>
+              <a:rPr lang="en-US" dirty="0"/>
               <a:t>User property available in controllers and views</a:t>
             </a:r>
-            <a:endParaRPr lang="en-US" dirty="0"/>
           </a:p>
         </p:txBody>
       </p:sp>
@@ -3458,10 +3433,9 @@
           <a:lstStyle/>
           <a:p>
             <a:r>
-              <a:rPr lang="en-US" dirty="0" smtClean="0"/>
+              <a:rPr lang="en-US" dirty="0"/>
               <a:t>OAuth</a:t>
             </a:r>
-            <a:endParaRPr lang="en-US" dirty="0"/>
           </a:p>
         </p:txBody>
       </p:sp>
@@ -3481,16 +3455,15 @@
           <a:lstStyle/>
           <a:p>
             <a:r>
-              <a:rPr lang="en-US" dirty="0" smtClean="0"/>
+              <a:rPr lang="en-US" dirty="0"/>
               <a:t>Microsoft, Google, Facebook, Twitter, LinkedIn</a:t>
             </a:r>
           </a:p>
           <a:p>
             <a:r>
-              <a:rPr lang="en-US" dirty="0" smtClean="0"/>
+              <a:rPr lang="en-US" dirty="0"/>
               <a:t>All supported via middleware</a:t>
             </a:r>
-            <a:endParaRPr lang="en-US" dirty="0"/>
           </a:p>
         </p:txBody>
       </p:sp>
@@ -3611,10 +3584,9 @@
           <a:lstStyle/>
           <a:p>
             <a:r>
-              <a:rPr lang="en-US" dirty="0" smtClean="0"/>
+              <a:rPr lang="en-US" dirty="0"/>
               <a:t>Authentication Manager</a:t>
             </a:r>
-            <a:endParaRPr lang="en-US" dirty="0"/>
           </a:p>
         </p:txBody>
       </p:sp>
@@ -3634,41 +3606,41 @@
           <a:lstStyle/>
           <a:p>
             <a:r>
-              <a:rPr lang="en-US" dirty="0" err="1" smtClean="0"/>
+              <a:rPr lang="en-US" dirty="0" err="1"/>
               <a:t>SignIn</a:t>
             </a:r>
             <a:r>
-              <a:rPr lang="en-US" dirty="0" smtClean="0"/>
+              <a:rPr lang="en-US" dirty="0"/>
               <a:t> / </a:t>
             </a:r>
             <a:r>
-              <a:rPr lang="en-US" dirty="0" err="1" smtClean="0"/>
+              <a:rPr lang="en-US" dirty="0" err="1"/>
               <a:t>SignOut</a:t>
             </a:r>
-            <a:endParaRPr lang="en-US" dirty="0" smtClean="0"/>
+            <a:endParaRPr lang="en-US" dirty="0"/>
           </a:p>
           <a:p>
             <a:pPr lvl="1"/>
             <a:r>
-              <a:rPr lang="en-US" dirty="0" smtClean="0"/>
+              <a:rPr lang="en-US" dirty="0"/>
               <a:t>Sets cookie</a:t>
             </a:r>
           </a:p>
           <a:p>
             <a:r>
-              <a:rPr lang="en-US" dirty="0" smtClean="0"/>
+              <a:rPr lang="en-US" dirty="0"/>
               <a:t>Challenge</a:t>
             </a:r>
           </a:p>
           <a:p>
             <a:r>
-              <a:rPr lang="en-US" dirty="0" smtClean="0"/>
+              <a:rPr lang="en-US" dirty="0"/>
               <a:t>Authenticate</a:t>
             </a:r>
           </a:p>
           <a:p>
             <a:r>
-              <a:rPr lang="en-US" dirty="0" err="1" smtClean="0"/>
+              <a:rPr lang="en-US" dirty="0" err="1"/>
               <a:t>GetAuthenticationSchemes</a:t>
             </a:r>
             <a:endParaRPr lang="en-US" dirty="0"/>
@@ -3748,10 +3720,9 @@
           <a:lstStyle/>
           <a:p>
             <a:r>
-              <a:rPr lang="en-US" dirty="0" smtClean="0"/>
+              <a:rPr lang="en-US" dirty="0"/>
               <a:t>Authorize Attribute</a:t>
             </a:r>
-            <a:endParaRPr lang="en-US" dirty="0"/>
           </a:p>
         </p:txBody>
       </p:sp>
@@ -3771,24 +3742,23 @@
           <a:lstStyle/>
           <a:p>
             <a:r>
-              <a:rPr lang="en-US" dirty="0" smtClean="0"/>
+              <a:rPr lang="en-US" dirty="0"/>
               <a:t>Use to protect controllers, actions</a:t>
             </a:r>
           </a:p>
           <a:p>
             <a:r>
-              <a:rPr lang="en-US" dirty="0" smtClean="0"/>
+              <a:rPr lang="en-US" dirty="0"/>
               <a:t>Use [</a:t>
             </a:r>
             <a:r>
-              <a:rPr lang="en-US" dirty="0" err="1" smtClean="0"/>
+              <a:rPr lang="en-US" dirty="0" err="1"/>
               <a:t>AllowAnonymous</a:t>
             </a:r>
             <a:r>
-              <a:rPr lang="en-US" dirty="0" smtClean="0"/>
+              <a:rPr lang="en-US" dirty="0"/>
               <a:t>] to be explicit</a:t>
             </a:r>
-            <a:endParaRPr lang="en-US" dirty="0"/>
           </a:p>
         </p:txBody>
       </p:sp>
@@ -3865,10 +3835,9 @@
           <a:lstStyle/>
           <a:p>
             <a:r>
-              <a:rPr lang="en-US" dirty="0" smtClean="0"/>
+              <a:rPr lang="en-US" dirty="0"/>
               <a:t>ASP.NET Identity</a:t>
             </a:r>
-            <a:endParaRPr lang="en-US" dirty="0"/>
           </a:p>
         </p:txBody>
       </p:sp>
@@ -3888,10 +3857,9 @@
           <a:lstStyle/>
           <a:p>
             <a:r>
-              <a:rPr lang="en-US" dirty="0" smtClean="0"/>
+              <a:rPr lang="en-US" dirty="0"/>
               <a:t>Builds on top of cookie middleware</a:t>
             </a:r>
-            <a:endParaRPr lang="en-US" dirty="0"/>
           </a:p>
         </p:txBody>
       </p:sp>
@@ -3978,10 +3946,9 @@
           <a:lstStyle/>
           <a:p>
             <a:r>
-              <a:rPr lang="en-US" dirty="0" smtClean="0"/>
+              <a:rPr lang="en-US" dirty="0"/>
               <a:t>CORS</a:t>
             </a:r>
-            <a:endParaRPr lang="en-US" dirty="0"/>
           </a:p>
         </p:txBody>
       </p:sp>
@@ -4001,39 +3968,39 @@
           <a:lstStyle/>
           <a:p>
             <a:r>
-              <a:rPr lang="en-US" dirty="0" smtClean="0"/>
+              <a:rPr lang="en-US" dirty="0"/>
               <a:t>Support in </a:t>
             </a:r>
             <a:r>
-              <a:rPr lang="en-US" dirty="0" err="1" smtClean="0"/>
+              <a:rPr lang="en-US" dirty="0" err="1"/>
               <a:t>Microsoft.AspNet.Cors</a:t>
             </a:r>
-            <a:endParaRPr lang="en-US" dirty="0" smtClean="0"/>
-          </a:p>
-          <a:p>
-            <a:r>
-              <a:rPr lang="en-US" dirty="0" smtClean="0"/>
+            <a:endParaRPr lang="en-US" dirty="0"/>
+          </a:p>
+          <a:p>
+            <a:r>
+              <a:rPr lang="en-US" dirty="0"/>
               <a:t>Use CORS middleware for global settings</a:t>
             </a:r>
           </a:p>
           <a:p>
             <a:r>
-              <a:rPr lang="en-US" dirty="0" smtClean="0"/>
+              <a:rPr lang="en-US" dirty="0"/>
               <a:t>[</a:t>
             </a:r>
             <a:r>
-              <a:rPr lang="en-US" dirty="0" err="1" smtClean="0"/>
+              <a:rPr lang="en-US" dirty="0" err="1"/>
               <a:t>EnableCors</a:t>
             </a:r>
             <a:r>
-              <a:rPr lang="en-US" dirty="0" smtClean="0"/>
+              <a:rPr lang="en-US" dirty="0"/>
               <a:t>] attribute works on controllers </a:t>
             </a:r>
             <a:r>
-              <a:rPr lang="en-US" smtClean="0"/>
+              <a:rPr lang="en-US"/>
               <a:t>and actions</a:t>
             </a:r>
-            <a:endParaRPr lang="en-US" dirty="0" smtClean="0"/>
+            <a:endParaRPr lang="en-US" dirty="0"/>
           </a:p>
         </p:txBody>
       </p:sp>
@@ -4086,10 +4053,9 @@
           <a:lstStyle/>
           <a:p>
             <a:r>
-              <a:rPr lang="en-US" dirty="0" smtClean="0"/>
+              <a:rPr lang="en-US" dirty="0"/>
               <a:t>Summary</a:t>
             </a:r>
-            <a:endParaRPr lang="en-US" dirty="0"/>
           </a:p>
         </p:txBody>
       </p:sp>
@@ -4109,36 +4075,35 @@
           <a:lstStyle/>
           <a:p>
             <a:r>
-              <a:rPr lang="en-US" dirty="0" smtClean="0"/>
+              <a:rPr lang="en-US" dirty="0"/>
               <a:t>Three key abstractions</a:t>
             </a:r>
           </a:p>
           <a:p>
             <a:pPr lvl="1"/>
             <a:r>
-              <a:rPr lang="en-US" dirty="0" smtClean="0"/>
+              <a:rPr lang="en-US" dirty="0"/>
               <a:t>Middleware</a:t>
             </a:r>
           </a:p>
           <a:p>
             <a:pPr lvl="1"/>
             <a:r>
-              <a:rPr lang="en-US" dirty="0" err="1" smtClean="0"/>
+              <a:rPr lang="en-US" dirty="0" err="1"/>
               <a:t>ClaimsPrincipal</a:t>
             </a:r>
-            <a:endParaRPr lang="en-US" dirty="0" smtClean="0"/>
+            <a:endParaRPr lang="en-US" dirty="0"/>
           </a:p>
           <a:p>
             <a:pPr lvl="1"/>
             <a:r>
-              <a:rPr lang="en-US" dirty="0" err="1" smtClean="0"/>
+              <a:rPr lang="en-US" dirty="0" err="1"/>
               <a:t>AuthenticationManager</a:t>
             </a:r>
             <a:r>
-              <a:rPr lang="en-US" dirty="0" smtClean="0"/>
+              <a:rPr lang="en-US" dirty="0"/>
               <a:t> </a:t>
             </a:r>
-            <a:endParaRPr lang="en-US" dirty="0"/>
           </a:p>
         </p:txBody>
       </p:sp>

--- a/aspnet5/slides/06_Security.pptx
+++ b/aspnet5/slides/06_Security.pptx
@@ -289,7 +289,7 @@
               <a:pPr>
                 <a:defRPr/>
               </a:pPr>
-              <a:t>2/20/2017</a:t>
+              <a:t>3/8/2018</a:t>
             </a:fld>
             <a:endParaRPr lang="en-US"/>
           </a:p>
